--- a/Posts/2020/June/Aristotle2Digital/A2D_06(Jun)_2020 hello art.pptx
+++ b/Posts/2020/June/Aristotle2Digital/A2D_06(Jun)_2020 hello art.pptx
@@ -243,7 +243,7 @@
           <a:p>
             <a:fld id="{D5DD3B93-8C36-4F08-94D0-D3F242D40E78}" type="datetimeFigureOut">
               <a:rPr lang="en-US" smtClean="0"/>
-              <a:t>6/17/2020</a:t>
+              <a:t>6/20/2020</a:t>
             </a:fld>
             <a:endParaRPr lang="en-US"/>
           </a:p>
@@ -411,7 +411,7 @@
           <a:p>
             <a:fld id="{D5DD3B93-8C36-4F08-94D0-D3F242D40E78}" type="datetimeFigureOut">
               <a:rPr lang="en-US" smtClean="0"/>
-              <a:t>6/17/2020</a:t>
+              <a:t>6/20/2020</a:t>
             </a:fld>
             <a:endParaRPr lang="en-US"/>
           </a:p>
@@ -589,7 +589,7 @@
           <a:p>
             <a:fld id="{D5DD3B93-8C36-4F08-94D0-D3F242D40E78}" type="datetimeFigureOut">
               <a:rPr lang="en-US" smtClean="0"/>
-              <a:t>6/17/2020</a:t>
+              <a:t>6/20/2020</a:t>
             </a:fld>
             <a:endParaRPr lang="en-US"/>
           </a:p>
@@ -757,7 +757,7 @@
           <a:p>
             <a:fld id="{D5DD3B93-8C36-4F08-94D0-D3F242D40E78}" type="datetimeFigureOut">
               <a:rPr lang="en-US" smtClean="0"/>
-              <a:t>6/17/2020</a:t>
+              <a:t>6/20/2020</a:t>
             </a:fld>
             <a:endParaRPr lang="en-US"/>
           </a:p>
@@ -1002,7 +1002,7 @@
           <a:p>
             <a:fld id="{D5DD3B93-8C36-4F08-94D0-D3F242D40E78}" type="datetimeFigureOut">
               <a:rPr lang="en-US" smtClean="0"/>
-              <a:t>6/17/2020</a:t>
+              <a:t>6/20/2020</a:t>
             </a:fld>
             <a:endParaRPr lang="en-US"/>
           </a:p>
@@ -1231,7 +1231,7 @@
           <a:p>
             <a:fld id="{D5DD3B93-8C36-4F08-94D0-D3F242D40E78}" type="datetimeFigureOut">
               <a:rPr lang="en-US" smtClean="0"/>
-              <a:t>6/17/2020</a:t>
+              <a:t>6/20/2020</a:t>
             </a:fld>
             <a:endParaRPr lang="en-US"/>
           </a:p>
@@ -1595,7 +1595,7 @@
           <a:p>
             <a:fld id="{D5DD3B93-8C36-4F08-94D0-D3F242D40E78}" type="datetimeFigureOut">
               <a:rPr lang="en-US" smtClean="0"/>
-              <a:t>6/17/2020</a:t>
+              <a:t>6/20/2020</a:t>
             </a:fld>
             <a:endParaRPr lang="en-US"/>
           </a:p>
@@ -1712,7 +1712,7 @@
           <a:p>
             <a:fld id="{D5DD3B93-8C36-4F08-94D0-D3F242D40E78}" type="datetimeFigureOut">
               <a:rPr lang="en-US" smtClean="0"/>
-              <a:t>6/17/2020</a:t>
+              <a:t>6/20/2020</a:t>
             </a:fld>
             <a:endParaRPr lang="en-US"/>
           </a:p>
@@ -1807,7 +1807,7 @@
           <a:p>
             <a:fld id="{D5DD3B93-8C36-4F08-94D0-D3F242D40E78}" type="datetimeFigureOut">
               <a:rPr lang="en-US" smtClean="0"/>
-              <a:t>6/17/2020</a:t>
+              <a:t>6/20/2020</a:t>
             </a:fld>
             <a:endParaRPr lang="en-US"/>
           </a:p>
@@ -2082,7 +2082,7 @@
           <a:p>
             <a:fld id="{D5DD3B93-8C36-4F08-94D0-D3F242D40E78}" type="datetimeFigureOut">
               <a:rPr lang="en-US" smtClean="0"/>
-              <a:t>6/17/2020</a:t>
+              <a:t>6/20/2020</a:t>
             </a:fld>
             <a:endParaRPr lang="en-US"/>
           </a:p>
@@ -2334,7 +2334,7 @@
           <a:p>
             <a:fld id="{D5DD3B93-8C36-4F08-94D0-D3F242D40E78}" type="datetimeFigureOut">
               <a:rPr lang="en-US" smtClean="0"/>
-              <a:t>6/17/2020</a:t>
+              <a:t>6/20/2020</a:t>
             </a:fld>
             <a:endParaRPr lang="en-US"/>
           </a:p>
@@ -2545,7 +2545,7 @@
           <a:p>
             <a:fld id="{D5DD3B93-8C36-4F08-94D0-D3F242D40E78}" type="datetimeFigureOut">
               <a:rPr lang="en-US" smtClean="0"/>
-              <a:t>6/17/2020</a:t>
+              <a:t>6/20/2020</a:t>
             </a:fld>
             <a:endParaRPr lang="en-US"/>
           </a:p>
@@ -7067,12 +7067,12 @@
         </p:nvCxnSpPr>
         <p:spPr>
           <a:xfrm rot="5400000" flipH="1" flipV="1">
-            <a:off x="3582964" y="1791002"/>
-            <a:ext cx="777212" cy="1310121"/>
+            <a:off x="2918504" y="2306672"/>
+            <a:ext cx="451379" cy="627463"/>
           </a:xfrm>
           <a:prstGeom prst="bentConnector3">
             <a:avLst>
-              <a:gd name="adj1" fmla="val -38400"/>
+              <a:gd name="adj1" fmla="val -31653"/>
             </a:avLst>
           </a:prstGeom>
           <a:ln>
@@ -7116,12 +7116,12 @@
         </p:nvCxnSpPr>
         <p:spPr>
           <a:xfrm rot="5400000" flipH="1" flipV="1">
-            <a:off x="3994064" y="1379902"/>
-            <a:ext cx="777212" cy="2132321"/>
+            <a:off x="3124054" y="2101122"/>
+            <a:ext cx="451379" cy="1038563"/>
           </a:xfrm>
           <a:prstGeom prst="bentConnector3">
             <a:avLst>
-              <a:gd name="adj1" fmla="val -38400"/>
+              <a:gd name="adj1" fmla="val -31126"/>
             </a:avLst>
           </a:prstGeom>
           <a:ln>
@@ -7165,14 +7165,14 @@
         </p:nvCxnSpPr>
         <p:spPr>
           <a:xfrm>
-            <a:off x="4900951" y="1966017"/>
-            <a:ext cx="3288799" cy="12700"/>
+            <a:off x="3640806" y="2303274"/>
+            <a:ext cx="1639099" cy="12700"/>
           </a:xfrm>
           <a:prstGeom prst="bentConnector5">
             <a:avLst>
-              <a:gd name="adj1" fmla="val 55850"/>
-              <a:gd name="adj2" fmla="val -4230000"/>
-              <a:gd name="adj3" fmla="val 106951"/>
+              <a:gd name="adj1" fmla="val 1507"/>
+              <a:gd name="adj2" fmla="val 1282496"/>
+              <a:gd name="adj3" fmla="val 113947"/>
             </a:avLst>
           </a:prstGeom>
           <a:ln>
@@ -7208,8 +7208,8 @@
         </p:nvSpPr>
         <p:spPr>
           <a:xfrm>
-            <a:off x="5996710" y="1097365"/>
-            <a:ext cx="548640" cy="182880"/>
+            <a:off x="4094596" y="1783165"/>
+            <a:ext cx="365760" cy="182880"/>
           </a:xfrm>
           <a:prstGeom prst="rect">
             <a:avLst/>
@@ -7240,7 +7240,7 @@
           </a:fontRef>
         </p:style>
         <p:txBody>
-          <a:bodyPr rtlCol="0" anchor="ctr"/>
+          <a:bodyPr lIns="0" tIns="0" rIns="0" bIns="0" rtlCol="0" anchor="ctr"/>
           <a:lstStyle/>
           <a:p>
             <a:pPr algn="ctr"/>
@@ -7269,10 +7269,10 @@
         </p:nvGrpSpPr>
         <p:grpSpPr>
           <a:xfrm>
-            <a:off x="3256689" y="3429000"/>
-            <a:ext cx="6028682" cy="182880"/>
-            <a:chOff x="2809411" y="3429000"/>
-            <a:chExt cx="6028682" cy="182880"/>
+            <a:off x="2830462" y="3128882"/>
+            <a:ext cx="3244260" cy="182880"/>
+            <a:chOff x="5410953" y="3429000"/>
+            <a:chExt cx="3244260" cy="182880"/>
           </a:xfrm>
         </p:grpSpPr>
         <p:sp>
@@ -7289,8 +7289,8 @@
           </p:nvSpPr>
           <p:spPr>
             <a:xfrm>
-              <a:off x="2809411" y="3429000"/>
-              <a:ext cx="548640" cy="182880"/>
+              <a:off x="5410953" y="3429000"/>
+              <a:ext cx="365760" cy="182880"/>
             </a:xfrm>
             <a:prstGeom prst="rect">
               <a:avLst/>
@@ -7323,7 +7323,7 @@
             </a:fontRef>
           </p:style>
           <p:txBody>
-            <a:bodyPr rtlCol="0" anchor="ctr"/>
+            <a:bodyPr lIns="0" tIns="0" rIns="0" bIns="0" rtlCol="0" anchor="ctr"/>
             <a:lstStyle/>
             <a:p>
               <a:pPr algn="ctr"/>
@@ -7357,8 +7357,8 @@
           </p:nvSpPr>
           <p:spPr>
             <a:xfrm>
-              <a:off x="4375137" y="3429000"/>
-              <a:ext cx="548640" cy="182880"/>
+              <a:off x="6233381" y="3429000"/>
+              <a:ext cx="365760" cy="182880"/>
             </a:xfrm>
             <a:prstGeom prst="rect">
               <a:avLst/>
@@ -7391,7 +7391,7 @@
             </a:fontRef>
           </p:style>
           <p:txBody>
-            <a:bodyPr rtlCol="0" anchor="ctr"/>
+            <a:bodyPr lIns="0" tIns="0" rIns="0" bIns="0" rtlCol="0" anchor="ctr"/>
             <a:lstStyle/>
             <a:p>
               <a:pPr algn="ctr"/>
@@ -7425,8 +7425,8 @@
           </p:nvSpPr>
           <p:spPr>
             <a:xfrm>
-              <a:off x="3592274" y="3429000"/>
-              <a:ext cx="548640" cy="182880"/>
+              <a:off x="5822167" y="3429000"/>
+              <a:ext cx="365760" cy="182880"/>
             </a:xfrm>
             <a:prstGeom prst="rect">
               <a:avLst/>
@@ -7459,7 +7459,7 @@
             </a:fontRef>
           </p:style>
           <p:txBody>
-            <a:bodyPr rtlCol="0" anchor="ctr"/>
+            <a:bodyPr lIns="0" tIns="0" rIns="0" bIns="0" rtlCol="0" anchor="ctr"/>
             <a:lstStyle/>
             <a:p>
               <a:pPr algn="ctr"/>
@@ -7493,8 +7493,8 @@
           </p:nvSpPr>
           <p:spPr>
             <a:xfrm>
-              <a:off x="5158000" y="3429000"/>
-              <a:ext cx="548640" cy="182880"/>
+              <a:off x="6644595" y="3429000"/>
+              <a:ext cx="365760" cy="182880"/>
             </a:xfrm>
             <a:prstGeom prst="rect">
               <a:avLst/>
@@ -7527,7 +7527,7 @@
             </a:fontRef>
           </p:style>
           <p:txBody>
-            <a:bodyPr rtlCol="0" anchor="ctr"/>
+            <a:bodyPr lIns="0" tIns="0" rIns="0" bIns="0" rtlCol="0" anchor="ctr"/>
             <a:lstStyle/>
             <a:p>
               <a:pPr algn="ctr"/>
@@ -7556,8 +7556,8 @@
           </p:nvSpPr>
           <p:spPr>
             <a:xfrm>
-              <a:off x="5940863" y="3429000"/>
-              <a:ext cx="548640" cy="182880"/>
+              <a:off x="7055809" y="3429000"/>
+              <a:ext cx="365760" cy="182880"/>
             </a:xfrm>
             <a:prstGeom prst="rect">
               <a:avLst/>
@@ -7590,7 +7590,7 @@
             </a:fontRef>
           </p:style>
           <p:txBody>
-            <a:bodyPr rtlCol="0" anchor="ctr"/>
+            <a:bodyPr lIns="0" tIns="0" rIns="0" bIns="0" rtlCol="0" anchor="ctr"/>
             <a:lstStyle/>
             <a:p>
               <a:pPr algn="ctr"/>
@@ -7624,8 +7624,8 @@
           </p:nvSpPr>
           <p:spPr>
             <a:xfrm>
-              <a:off x="6723726" y="3429000"/>
-              <a:ext cx="548640" cy="182880"/>
+              <a:off x="7467023" y="3429000"/>
+              <a:ext cx="365760" cy="182880"/>
             </a:xfrm>
             <a:prstGeom prst="rect">
               <a:avLst/>
@@ -7658,7 +7658,7 @@
             </a:fontRef>
           </p:style>
           <p:txBody>
-            <a:bodyPr rtlCol="0" anchor="ctr"/>
+            <a:bodyPr lIns="0" tIns="0" rIns="0" bIns="0" rtlCol="0" anchor="ctr"/>
             <a:lstStyle/>
             <a:p>
               <a:pPr algn="ctr"/>
@@ -7688,7 +7688,7 @@
           <p:spPr>
             <a:xfrm>
               <a:off x="8289453" y="3429000"/>
-              <a:ext cx="548640" cy="182880"/>
+              <a:ext cx="365760" cy="182880"/>
             </a:xfrm>
             <a:prstGeom prst="rect">
               <a:avLst/>
@@ -7721,7 +7721,7 @@
             </a:fontRef>
           </p:style>
           <p:txBody>
-            <a:bodyPr rtlCol="0" anchor="ctr"/>
+            <a:bodyPr lIns="0" tIns="0" rIns="0" bIns="0" rtlCol="0" anchor="ctr"/>
             <a:lstStyle/>
             <a:p>
               <a:pPr algn="ctr"/>
@@ -7755,8 +7755,8 @@
           </p:nvSpPr>
           <p:spPr>
             <a:xfrm>
-              <a:off x="7506589" y="3429000"/>
-              <a:ext cx="548640" cy="182880"/>
+              <a:off x="7878237" y="3429000"/>
+              <a:ext cx="365760" cy="182880"/>
             </a:xfrm>
             <a:prstGeom prst="rect">
               <a:avLst/>
@@ -7789,7 +7789,7 @@
             </a:fontRef>
           </p:style>
           <p:txBody>
-            <a:bodyPr rtlCol="0" anchor="ctr"/>
+            <a:bodyPr lIns="0" tIns="0" rIns="0" bIns="0" rtlCol="0" anchor="ctr"/>
             <a:lstStyle/>
             <a:p>
               <a:pPr algn="ctr"/>
@@ -7824,10 +7824,10 @@
         </p:nvGrpSpPr>
         <p:grpSpPr>
           <a:xfrm>
-            <a:off x="4352311" y="1874577"/>
-            <a:ext cx="3837439" cy="182880"/>
-            <a:chOff x="3966885" y="1641808"/>
-            <a:chExt cx="3837439" cy="182880"/>
+            <a:off x="3275046" y="2211834"/>
+            <a:ext cx="2004859" cy="182880"/>
+            <a:chOff x="5616585" y="1641808"/>
+            <a:chExt cx="2004859" cy="182880"/>
           </a:xfrm>
         </p:grpSpPr>
         <p:sp>
@@ -7844,8 +7844,8 @@
           </p:nvSpPr>
           <p:spPr>
             <a:xfrm>
-              <a:off x="3966885" y="1641808"/>
-              <a:ext cx="548640" cy="182880"/>
+              <a:off x="5616585" y="1641808"/>
+              <a:ext cx="365760" cy="182880"/>
             </a:xfrm>
             <a:prstGeom prst="rect">
               <a:avLst/>
@@ -7873,7 +7873,7 @@
             </a:fontRef>
           </p:style>
           <p:txBody>
-            <a:bodyPr rtlCol="0" anchor="ctr"/>
+            <a:bodyPr lIns="0" tIns="0" rIns="0" bIns="0" rtlCol="0" anchor="ctr"/>
             <a:lstStyle/>
             <a:p>
               <a:pPr algn="ctr"/>
@@ -7899,8 +7899,8 @@
           </p:nvSpPr>
           <p:spPr>
             <a:xfrm>
-              <a:off x="4789085" y="1641808"/>
-              <a:ext cx="548640" cy="182880"/>
+              <a:off x="6027685" y="1641808"/>
+              <a:ext cx="365760" cy="182880"/>
             </a:xfrm>
             <a:prstGeom prst="rect">
               <a:avLst/>
@@ -7928,7 +7928,7 @@
             </a:fontRef>
           </p:style>
           <p:txBody>
-            <a:bodyPr rtlCol="0" anchor="ctr"/>
+            <a:bodyPr lIns="0" tIns="0" rIns="0" bIns="0" rtlCol="0" anchor="ctr"/>
             <a:lstStyle/>
             <a:p>
               <a:pPr algn="ctr"/>
@@ -7954,8 +7954,8 @@
           </p:nvSpPr>
           <p:spPr>
             <a:xfrm>
-              <a:off x="6433485" y="1641808"/>
-              <a:ext cx="548640" cy="182880"/>
+              <a:off x="6839356" y="1641808"/>
+              <a:ext cx="365760" cy="182880"/>
             </a:xfrm>
             <a:prstGeom prst="rect">
               <a:avLst/>
@@ -7983,7 +7983,7 @@
             </a:fontRef>
           </p:style>
           <p:txBody>
-            <a:bodyPr rtlCol="0" anchor="ctr"/>
+            <a:bodyPr lIns="0" tIns="0" rIns="0" bIns="0" rtlCol="0" anchor="ctr"/>
             <a:lstStyle/>
             <a:p>
               <a:pPr algn="ctr"/>
@@ -8009,8 +8009,8 @@
           </p:nvSpPr>
           <p:spPr>
             <a:xfrm>
-              <a:off x="5611285" y="1641808"/>
-              <a:ext cx="548640" cy="182880"/>
+              <a:off x="6434202" y="1641808"/>
+              <a:ext cx="365760" cy="182880"/>
             </a:xfrm>
             <a:prstGeom prst="rect">
               <a:avLst/>
@@ -8038,7 +8038,7 @@
             </a:fontRef>
           </p:style>
           <p:txBody>
-            <a:bodyPr rtlCol="0" anchor="ctr"/>
+            <a:bodyPr lIns="0" tIns="0" rIns="0" bIns="0" rtlCol="0" anchor="ctr"/>
             <a:lstStyle/>
             <a:p>
               <a:pPr algn="ctr"/>
@@ -8065,7 +8065,7 @@
           <p:spPr>
             <a:xfrm>
               <a:off x="7255684" y="1641808"/>
-              <a:ext cx="548640" cy="182880"/>
+              <a:ext cx="365760" cy="182880"/>
             </a:xfrm>
             <a:prstGeom prst="rect">
               <a:avLst/>
@@ -8093,7 +8093,7 @@
             </a:fontRef>
           </p:style>
           <p:txBody>
-            <a:bodyPr rtlCol="0" anchor="ctr"/>
+            <a:bodyPr lIns="0" tIns="0" rIns="0" bIns="0" rtlCol="0" anchor="ctr"/>
             <a:lstStyle/>
             <a:p>
               <a:pPr algn="ctr"/>
@@ -8124,8 +8124,8 @@
         </p:nvCxnSpPr>
         <p:spPr>
           <a:xfrm rot="5400000">
-            <a:off x="5151665" y="755212"/>
-            <a:ext cx="594332" cy="1644399"/>
+            <a:off x="3744807" y="1679164"/>
+            <a:ext cx="245789" cy="819550"/>
           </a:xfrm>
           <a:prstGeom prst="bentConnector3">
             <a:avLst>
@@ -8172,8 +8172,8 @@
         </p:nvCxnSpPr>
         <p:spPr>
           <a:xfrm rot="5400000">
-            <a:off x="4043702" y="2068860"/>
-            <a:ext cx="594332" cy="571526"/>
+            <a:off x="3216947" y="2422233"/>
+            <a:ext cx="268499" cy="213460"/>
           </a:xfrm>
           <a:prstGeom prst="bentConnector3">
             <a:avLst>
@@ -8217,8 +8217,8 @@
         </p:nvCxnSpPr>
         <p:spPr>
           <a:xfrm rot="16200000" flipH="1">
-            <a:off x="5151594" y="1532493"/>
-            <a:ext cx="594332" cy="1644259"/>
+            <a:off x="3837951" y="2014688"/>
+            <a:ext cx="268499" cy="1028549"/>
           </a:xfrm>
           <a:prstGeom prst="bentConnector3">
             <a:avLst>
@@ -8262,8 +8262,8 @@
         </p:nvCxnSpPr>
         <p:spPr>
           <a:xfrm rot="16200000" flipH="1">
-            <a:off x="4782297" y="1901791"/>
-            <a:ext cx="594332" cy="905664"/>
+            <a:off x="3630950" y="2221690"/>
+            <a:ext cx="268499" cy="614546"/>
           </a:xfrm>
           <a:prstGeom prst="bentConnector3">
             <a:avLst>
@@ -8307,8 +8307,8 @@
         </p:nvCxnSpPr>
         <p:spPr>
           <a:xfrm rot="5400000">
-            <a:off x="3674405" y="1699563"/>
-            <a:ext cx="594332" cy="1310121"/>
+            <a:off x="3009946" y="2215232"/>
+            <a:ext cx="268499" cy="627463"/>
           </a:xfrm>
           <a:prstGeom prst="bentConnector3">
             <a:avLst>
@@ -8352,12 +8352,12 @@
         </p:nvCxnSpPr>
         <p:spPr>
           <a:xfrm rot="10800000" flipH="1">
-            <a:off x="4352310" y="1188805"/>
-            <a:ext cx="1644399" cy="777212"/>
+            <a:off x="3275046" y="1874606"/>
+            <a:ext cx="819550" cy="428669"/>
           </a:xfrm>
           <a:prstGeom prst="bentConnector3">
             <a:avLst>
-              <a:gd name="adj1" fmla="val -13902"/>
+              <a:gd name="adj1" fmla="val -27893"/>
             </a:avLst>
           </a:prstGeom>
           <a:ln>
@@ -8393,10 +8393,10 @@
         </p:nvGrpSpPr>
         <p:grpSpPr>
           <a:xfrm>
-            <a:off x="1565277" y="2651789"/>
-            <a:ext cx="9411507" cy="182880"/>
-            <a:chOff x="1565277" y="2558332"/>
-            <a:chExt cx="9411507" cy="182880"/>
+            <a:off x="1818885" y="2663213"/>
+            <a:ext cx="5334484" cy="182880"/>
+            <a:chOff x="5459420" y="2558332"/>
+            <a:chExt cx="5334484" cy="182880"/>
           </a:xfrm>
         </p:grpSpPr>
         <p:sp>
@@ -8413,8 +8413,8 @@
           </p:nvSpPr>
           <p:spPr>
             <a:xfrm>
-              <a:off x="3042190" y="2558332"/>
-              <a:ext cx="548640" cy="182880"/>
+              <a:off x="6288118" y="2558332"/>
+              <a:ext cx="365760" cy="182880"/>
             </a:xfrm>
             <a:prstGeom prst="rect">
               <a:avLst/>
@@ -8447,7 +8447,7 @@
             </a:fontRef>
           </p:style>
           <p:txBody>
-            <a:bodyPr rtlCol="0" anchor="ctr"/>
+            <a:bodyPr lIns="0" tIns="0" rIns="0" bIns="0" rtlCol="0" anchor="ctr"/>
             <a:lstStyle/>
             <a:p>
               <a:pPr algn="ctr"/>
@@ -8481,8 +8481,8 @@
           </p:nvSpPr>
           <p:spPr>
             <a:xfrm>
-              <a:off x="3780785" y="2558332"/>
-              <a:ext cx="548640" cy="182880"/>
+              <a:off x="6702121" y="2558332"/>
+              <a:ext cx="365760" cy="182880"/>
             </a:xfrm>
             <a:prstGeom prst="rect">
               <a:avLst/>
@@ -8515,7 +8515,7 @@
             </a:fontRef>
           </p:style>
           <p:txBody>
-            <a:bodyPr rtlCol="0" anchor="ctr"/>
+            <a:bodyPr lIns="0" tIns="0" rIns="0" bIns="0" rtlCol="0" anchor="ctr"/>
             <a:lstStyle/>
             <a:p>
               <a:pPr algn="ctr"/>
@@ -8549,8 +8549,8 @@
           </p:nvSpPr>
           <p:spPr>
             <a:xfrm>
-              <a:off x="5996570" y="2558332"/>
-              <a:ext cx="548640" cy="182880"/>
+              <a:off x="7944130" y="2558332"/>
+              <a:ext cx="365760" cy="182880"/>
             </a:xfrm>
             <a:prstGeom prst="rect">
               <a:avLst/>
@@ -8583,7 +8583,7 @@
             </a:fontRef>
           </p:style>
           <p:txBody>
-            <a:bodyPr rtlCol="0" anchor="ctr"/>
+            <a:bodyPr lIns="0" tIns="0" rIns="0" bIns="0" rtlCol="0" anchor="ctr"/>
             <a:lstStyle/>
             <a:p>
               <a:pPr algn="ctr"/>
@@ -8617,8 +8617,8 @@
           </p:nvSpPr>
           <p:spPr>
             <a:xfrm>
-              <a:off x="2303595" y="2558332"/>
-              <a:ext cx="548640" cy="182880"/>
+              <a:off x="5874115" y="2558332"/>
+              <a:ext cx="365760" cy="182880"/>
             </a:xfrm>
             <a:prstGeom prst="rect">
               <a:avLst/>
@@ -8651,7 +8651,7 @@
             </a:fontRef>
           </p:style>
           <p:txBody>
-            <a:bodyPr rtlCol="0" anchor="ctr"/>
+            <a:bodyPr lIns="0" tIns="0" rIns="0" bIns="0" rtlCol="0" anchor="ctr"/>
             <a:lstStyle/>
             <a:p>
               <a:pPr algn="ctr"/>
@@ -8685,8 +8685,8 @@
           </p:nvSpPr>
           <p:spPr>
             <a:xfrm>
-              <a:off x="6735165" y="2558332"/>
-              <a:ext cx="548640" cy="182880"/>
+              <a:off x="8358133" y="2558332"/>
+              <a:ext cx="365760" cy="182880"/>
             </a:xfrm>
             <a:prstGeom prst="rect">
               <a:avLst/>
@@ -8719,7 +8719,7 @@
             </a:fontRef>
           </p:style>
           <p:txBody>
-            <a:bodyPr rtlCol="0" anchor="ctr"/>
+            <a:bodyPr lIns="0" tIns="0" rIns="0" bIns="0" rtlCol="0" anchor="ctr"/>
             <a:lstStyle/>
             <a:p>
               <a:pPr algn="ctr"/>
@@ -8748,8 +8748,8 @@
           </p:nvSpPr>
           <p:spPr>
             <a:xfrm>
-              <a:off x="7473760" y="2558332"/>
-              <a:ext cx="548640" cy="182880"/>
+              <a:off x="8772136" y="2558332"/>
+              <a:ext cx="365760" cy="182880"/>
             </a:xfrm>
             <a:prstGeom prst="rect">
               <a:avLst/>
@@ -8782,7 +8782,7 @@
             </a:fontRef>
           </p:style>
           <p:txBody>
-            <a:bodyPr rtlCol="0" anchor="ctr"/>
+            <a:bodyPr lIns="0" tIns="0" rIns="0" bIns="0" rtlCol="0" anchor="ctr"/>
             <a:lstStyle/>
             <a:p>
               <a:pPr algn="ctr"/>
@@ -8816,8 +8816,8 @@
           </p:nvSpPr>
           <p:spPr>
             <a:xfrm>
-              <a:off x="8212355" y="2558332"/>
-              <a:ext cx="548640" cy="182880"/>
+              <a:off x="9186139" y="2558332"/>
+              <a:ext cx="365760" cy="182880"/>
             </a:xfrm>
             <a:prstGeom prst="rect">
               <a:avLst/>
@@ -8850,7 +8850,7 @@
             </a:fontRef>
           </p:style>
           <p:txBody>
-            <a:bodyPr rtlCol="0" anchor="ctr"/>
+            <a:bodyPr lIns="0" tIns="0" rIns="0" bIns="0" rtlCol="0" anchor="ctr"/>
             <a:lstStyle/>
             <a:p>
               <a:pPr algn="ctr"/>
@@ -8880,7 +8880,7 @@
           <p:spPr>
             <a:xfrm>
               <a:off x="10428144" y="2558332"/>
-              <a:ext cx="548640" cy="182880"/>
+              <a:ext cx="365760" cy="182880"/>
             </a:xfrm>
             <a:prstGeom prst="rect">
               <a:avLst/>
@@ -8913,7 +8913,7 @@
             </a:fontRef>
           </p:style>
           <p:txBody>
-            <a:bodyPr rtlCol="0" anchor="ctr"/>
+            <a:bodyPr lIns="0" tIns="0" rIns="0" bIns="0" rtlCol="0" anchor="ctr"/>
             <a:lstStyle/>
             <a:p>
               <a:pPr algn="ctr"/>
@@ -8947,8 +8947,8 @@
           </p:nvSpPr>
           <p:spPr>
             <a:xfrm>
-              <a:off x="9689545" y="2558332"/>
-              <a:ext cx="548640" cy="182880"/>
+              <a:off x="10014145" y="2558332"/>
+              <a:ext cx="365760" cy="182880"/>
             </a:xfrm>
             <a:prstGeom prst="rect">
               <a:avLst/>
@@ -8981,7 +8981,7 @@
             </a:fontRef>
           </p:style>
           <p:txBody>
-            <a:bodyPr rtlCol="0" anchor="ctr"/>
+            <a:bodyPr lIns="0" tIns="0" rIns="0" bIns="0" rtlCol="0" anchor="ctr"/>
             <a:lstStyle/>
             <a:p>
               <a:pPr algn="ctr"/>
@@ -9015,8 +9015,8 @@
           </p:nvSpPr>
           <p:spPr>
             <a:xfrm>
-              <a:off x="1565277" y="2558332"/>
-              <a:ext cx="548363" cy="182880"/>
+              <a:off x="5459420" y="2558332"/>
+              <a:ext cx="366452" cy="164592"/>
             </a:xfrm>
             <a:prstGeom prst="rect">
               <a:avLst/>
@@ -9049,7 +9049,7 @@
             </a:fontRef>
           </p:style>
           <p:txBody>
-            <a:bodyPr rtlCol="0" anchor="ctr"/>
+            <a:bodyPr lIns="0" tIns="0" rIns="0" bIns="0" rtlCol="0" anchor="ctr" anchorCtr="1"/>
             <a:lstStyle/>
             <a:p>
               <a:pPr algn="ctr"/>
@@ -9083,8 +9083,8 @@
           </p:nvSpPr>
           <p:spPr>
             <a:xfrm>
-              <a:off x="4519380" y="2558332"/>
-              <a:ext cx="548640" cy="182880"/>
+              <a:off x="7116124" y="2558332"/>
+              <a:ext cx="365760" cy="182880"/>
             </a:xfrm>
             <a:prstGeom prst="rect">
               <a:avLst/>
@@ -9117,7 +9117,7 @@
             </a:fontRef>
           </p:style>
           <p:txBody>
-            <a:bodyPr rtlCol="0" anchor="ctr"/>
+            <a:bodyPr lIns="0" tIns="0" rIns="0" bIns="0" rtlCol="0" anchor="ctr"/>
             <a:lstStyle/>
             <a:p>
               <a:pPr algn="ctr"/>
@@ -9146,8 +9146,8 @@
           </p:nvSpPr>
           <p:spPr>
             <a:xfrm>
-              <a:off x="8950950" y="2558332"/>
-              <a:ext cx="548640" cy="182880"/>
+              <a:off x="9600142" y="2558332"/>
+              <a:ext cx="365760" cy="182880"/>
             </a:xfrm>
             <a:prstGeom prst="rect">
               <a:avLst/>
@@ -9180,7 +9180,7 @@
             </a:fontRef>
           </p:style>
           <p:txBody>
-            <a:bodyPr rtlCol="0" anchor="ctr"/>
+            <a:bodyPr lIns="0" tIns="0" rIns="0" bIns="0" rtlCol="0" anchor="ctr"/>
             <a:lstStyle/>
             <a:p>
               <a:pPr algn="ctr"/>
@@ -9214,8 +9214,8 @@
           </p:nvSpPr>
           <p:spPr>
             <a:xfrm>
-              <a:off x="5257975" y="2558332"/>
-              <a:ext cx="548640" cy="182880"/>
+              <a:off x="7530127" y="2558332"/>
+              <a:ext cx="365760" cy="182880"/>
             </a:xfrm>
             <a:prstGeom prst="rect">
               <a:avLst/>
@@ -9248,7 +9248,7 @@
             </a:fontRef>
           </p:style>
           <p:txBody>
-            <a:bodyPr rtlCol="0" anchor="ctr"/>
+            <a:bodyPr lIns="0" tIns="0" rIns="0" bIns="0" rtlCol="0" anchor="ctr"/>
             <a:lstStyle/>
             <a:p>
               <a:pPr algn="ctr"/>
@@ -9287,12 +9287,12 @@
         </p:nvCxnSpPr>
         <p:spPr>
           <a:xfrm rot="16200000" flipH="1">
-            <a:off x="6270890" y="-119711"/>
-            <a:ext cx="12700" cy="5908760"/>
+            <a:off x="4486475" y="1190081"/>
+            <a:ext cx="12700" cy="3312024"/>
           </a:xfrm>
           <a:prstGeom prst="bentConnector3">
             <a:avLst>
-              <a:gd name="adj1" fmla="val 2400000"/>
+              <a:gd name="adj1" fmla="val 1143748"/>
             </a:avLst>
           </a:prstGeom>
           <a:ln>
@@ -9336,8 +9336,8 @@
         </p:nvCxnSpPr>
         <p:spPr>
           <a:xfrm rot="16200000" flipH="1">
-            <a:off x="3126594" y="3024584"/>
-            <a:ext cx="594331" cy="214499"/>
+            <a:off x="2780508" y="2896047"/>
+            <a:ext cx="282789" cy="182879"/>
           </a:xfrm>
           <a:prstGeom prst="bentConnector3">
             <a:avLst>
@@ -9385,8 +9385,8 @@
         </p:nvCxnSpPr>
         <p:spPr>
           <a:xfrm rot="16200000" flipH="1">
-            <a:off x="3518026" y="2633153"/>
-            <a:ext cx="594331" cy="997362"/>
+            <a:off x="2986115" y="2690440"/>
+            <a:ext cx="282789" cy="594093"/>
           </a:xfrm>
           <a:prstGeom prst="bentConnector3">
             <a:avLst>
@@ -9434,12 +9434,12 @@
         </p:nvCxnSpPr>
         <p:spPr>
           <a:xfrm rot="16200000" flipH="1">
-            <a:off x="3685807" y="2465371"/>
-            <a:ext cx="12700" cy="738595"/>
+            <a:off x="3037464" y="2639091"/>
+            <a:ext cx="12700" cy="414003"/>
           </a:xfrm>
           <a:prstGeom prst="bentConnector3">
             <a:avLst>
-              <a:gd name="adj1" fmla="val 2400000"/>
+              <a:gd name="adj1" fmla="val 1143756"/>
             </a:avLst>
           </a:prstGeom>
           <a:ln>
